--- a/Christmas_Scratch_Challenge_2020/Christmas_Challenge_2020.pptx
+++ b/Christmas_Scratch_Challenge_2020/Christmas_Challenge_2020.pptx
@@ -1238,52 +1238,7 @@
                 <a:latin typeface="Times New Roman" panose="02020603050405020304" pitchFamily="18" charset="0"/>
                 <a:cs typeface="Times New Roman" panose="02020603050405020304" pitchFamily="18" charset="0"/>
               </a:rPr>
-              <a:t>Christmas </a:t>
-            </a:r>
-            <a:r>
-              <a:rPr lang="en-GB" sz="8800" i="1" smtClean="0">
-                <a:solidFill>
-                  <a:srgbClr val="FFFF00"/>
-                </a:solidFill>
-                <a:effectLst>
-                  <a:outerShdw blurRad="38100" dist="63500" dir="2700000" algn="tl">
-                    <a:srgbClr val="FF0000"/>
-                  </a:outerShdw>
-                </a:effectLst>
-                <a:latin typeface="Times New Roman" panose="02020603050405020304" pitchFamily="18" charset="0"/>
-                <a:cs typeface="Times New Roman" panose="02020603050405020304" pitchFamily="18" charset="0"/>
-              </a:rPr>
-              <a:t>Scratch Coding </a:t>
-            </a:r>
-            <a:r>
-              <a:rPr lang="en-GB" sz="8800" i="1" smtClean="0">
-                <a:solidFill>
-                  <a:srgbClr val="FFFF00"/>
-                </a:solidFill>
-                <a:effectLst>
-                  <a:outerShdw blurRad="38100" dist="63500" dir="2700000" algn="tl">
-                    <a:srgbClr val="FF0000"/>
-                  </a:outerShdw>
-                </a:effectLst>
-                <a:latin typeface="Times New Roman" panose="02020603050405020304" pitchFamily="18" charset="0"/>
-                <a:cs typeface="Times New Roman" panose="02020603050405020304" pitchFamily="18" charset="0"/>
-              </a:rPr>
-              <a:t>Challenge </a:t>
-            </a:r>
-            <a:r>
-              <a:rPr lang="en-GB" sz="8800" i="1" smtClean="0">
-                <a:solidFill>
-                  <a:srgbClr val="FFFF00"/>
-                </a:solidFill>
-                <a:effectLst>
-                  <a:outerShdw blurRad="38100" dist="63500" dir="2700000" algn="tl">
-                    <a:srgbClr val="FF0000"/>
-                  </a:outerShdw>
-                </a:effectLst>
-                <a:latin typeface="Times New Roman" panose="02020603050405020304" pitchFamily="18" charset="0"/>
-                <a:cs typeface="Times New Roman" panose="02020603050405020304" pitchFamily="18" charset="0"/>
-              </a:rPr>
-              <a:t>2020</a:t>
+              <a:t>Christmas Scratch Coding Challenge 2020</a:t>
             </a:r>
             <a:endParaRPr lang="en-GB" sz="8800" i="1" dirty="0">
               <a:solidFill>
@@ -1407,8 +1362,8 @@
         </p:nvSpPr>
         <p:spPr>
           <a:xfrm>
-            <a:off x="679957" y="1510333"/>
-            <a:ext cx="7784086" cy="2954655"/>
+            <a:off x="679957" y="1340768"/>
+            <a:ext cx="7784086" cy="5109091"/>
           </a:xfrm>
           <a:prstGeom prst="rect">
             <a:avLst/>
@@ -1500,10 +1455,10 @@
                 </a:effectLst>
                 <a:latin typeface="Comic Sans MS" panose="030F0902030302020204" pitchFamily="66" charset="0"/>
               </a:rPr>
-              <a:t>for the festive season</a:t>
-            </a:r>
-            <a:r>
-              <a:rPr lang="en-GB" sz="4800" dirty="0" smtClean="0">
+              <a:t>for the festive </a:t>
+            </a:r>
+            <a:r>
+              <a:rPr lang="en-GB" sz="4800">
                 <a:solidFill>
                   <a:schemeClr val="bg1"/>
                 </a:solidFill>
@@ -1516,8 +1471,72 @@
                 </a:effectLst>
                 <a:latin typeface="Comic Sans MS" panose="030F0902030302020204" pitchFamily="66" charset="0"/>
               </a:rPr>
+              <a:t>season</a:t>
+            </a:r>
+            <a:r>
+              <a:rPr lang="en-GB" sz="4800" smtClean="0">
+                <a:solidFill>
+                  <a:schemeClr val="bg1"/>
+                </a:solidFill>
+                <a:effectLst>
+                  <a:outerShdw blurRad="38100" dist="38100" dir="2700000" algn="tl">
+                    <a:srgbClr val="000000">
+                      <a:alpha val="43137"/>
+                    </a:srgbClr>
+                  </a:outerShdw>
+                </a:effectLst>
+                <a:latin typeface="Comic Sans MS" panose="030F0902030302020204" pitchFamily="66" charset="0"/>
+              </a:rPr>
               <a:t>.</a:t>
             </a:r>
+          </a:p>
+          <a:p>
+            <a:pPr marL="361950" indent="-361950"/>
+            <a:endParaRPr lang="en-GB" sz="2000">
+              <a:solidFill>
+                <a:schemeClr val="bg1"/>
+              </a:solidFill>
+              <a:effectLst>
+                <a:outerShdw blurRad="38100" dist="38100" dir="2700000" algn="tl">
+                  <a:srgbClr val="000000">
+                    <a:alpha val="43137"/>
+                  </a:srgbClr>
+                </a:outerShdw>
+              </a:effectLst>
+              <a:latin typeface="Comic Sans MS" panose="030F0902030302020204" pitchFamily="66" charset="0"/>
+            </a:endParaRPr>
+          </a:p>
+          <a:p>
+            <a:pPr marL="361950" indent="-361950"/>
+            <a:r>
+              <a:rPr lang="en-GB" sz="2400" smtClean="0">
+                <a:solidFill>
+                  <a:schemeClr val="bg1"/>
+                </a:solidFill>
+                <a:effectLst>
+                  <a:outerShdw blurRad="38100" dist="38100" dir="2700000" algn="tl">
+                    <a:srgbClr val="000000">
+                      <a:alpha val="43137"/>
+                    </a:srgbClr>
+                  </a:outerShdw>
+                </a:effectLst>
+                <a:latin typeface="Comic Sans MS" panose="030F0902030302020204" pitchFamily="66" charset="0"/>
+              </a:rPr>
+              <a:t>This year’s challenge will be for new members to the Code Club, and not open to those who took part in the challenge last year. We hope anyone who did the Scratch challenge last year will have a go at the Python challenge this year!</a:t>
+            </a:r>
+            <a:endParaRPr lang="en-GB" sz="2400" dirty="0" smtClean="0">
+              <a:solidFill>
+                <a:schemeClr val="bg1"/>
+              </a:solidFill>
+              <a:effectLst>
+                <a:outerShdw blurRad="38100" dist="38100" dir="2700000" algn="tl">
+                  <a:srgbClr val="000000">
+                    <a:alpha val="43137"/>
+                  </a:srgbClr>
+                </a:outerShdw>
+              </a:effectLst>
+              <a:latin typeface="Comic Sans MS" panose="030F0902030302020204" pitchFamily="66" charset="0"/>
+            </a:endParaRPr>
           </a:p>
         </p:txBody>
       </p:sp>
@@ -1618,16 +1637,7 @@
                 </a:solidFill>
                 <a:latin typeface="Comic Sans MS" panose="030F0902030302020204" pitchFamily="66" charset="0"/>
               </a:rPr>
-              <a:t>get </a:t>
-            </a:r>
-            <a:r>
-              <a:rPr lang="en-GB" sz="4400" u="sng" smtClean="0">
-                <a:solidFill>
-                  <a:schemeClr val="bg1"/>
-                </a:solidFill>
-                <a:latin typeface="Comic Sans MS" panose="030F0902030302020204" pitchFamily="66" charset="0"/>
-              </a:rPr>
-              <a:t>a really good score:</a:t>
+              <a:t>get a really good score:</a:t>
             </a:r>
             <a:endParaRPr lang="en-GB" sz="4400" u="sng" dirty="0">
               <a:solidFill>
@@ -2032,16 +2042,7 @@
                 </a:solidFill>
                 <a:latin typeface="Comic Sans MS" panose="030F0902030302020204" pitchFamily="66" charset="0"/>
               </a:rPr>
-              <a:t>How to submit your entry</a:t>
-            </a:r>
-            <a:r>
-              <a:rPr lang="en-GB" sz="4400" u="sng" smtClean="0">
-                <a:solidFill>
-                  <a:schemeClr val="bg1"/>
-                </a:solidFill>
-                <a:latin typeface="Comic Sans MS" panose="030F0902030302020204" pitchFamily="66" charset="0"/>
-              </a:rPr>
-              <a:t>:</a:t>
+              <a:t>How to submit your entry:</a:t>
             </a:r>
             <a:endParaRPr lang="en-GB" sz="4400" u="sng" dirty="0">
               <a:solidFill>
@@ -2571,16 +2572,7 @@
                 </a:solidFill>
                 <a:latin typeface="Comic Sans MS" panose="030F0902030302020204" pitchFamily="66" charset="0"/>
               </a:rPr>
-              <a:t>and </a:t>
-            </a:r>
-            <a:r>
-              <a:rPr lang="en-GB" sz="4400" u="sng" smtClean="0">
-                <a:solidFill>
-                  <a:schemeClr val="bg1"/>
-                </a:solidFill>
-                <a:latin typeface="Comic Sans MS" panose="030F0902030302020204" pitchFamily="66" charset="0"/>
-              </a:rPr>
-              <a:t>awards:</a:t>
+              <a:t>and awards:</a:t>
             </a:r>
             <a:endParaRPr lang="en-GB" sz="4400" u="sng" dirty="0">
               <a:solidFill>
@@ -2627,7 +2619,16 @@
                 </a:solidFill>
                 <a:latin typeface="Comic Sans MS" panose="030F0902030302020204" pitchFamily="66" charset="0"/>
               </a:rPr>
-              <a:t>At theScratch session on </a:t>
+              <a:t>At theScratch session on Saturday 19th December 2020 all </a:t>
+            </a:r>
+            <a:r>
+              <a:rPr lang="en-GB" sz="2400" dirty="0" smtClean="0">
+                <a:solidFill>
+                  <a:schemeClr val="bg1"/>
+                </a:solidFill>
+                <a:latin typeface="Comic Sans MS" panose="030F0902030302020204" pitchFamily="66" charset="0"/>
+              </a:rPr>
+              <a:t>the entries will be </a:t>
             </a:r>
             <a:r>
               <a:rPr lang="en-GB" sz="2400" smtClean="0">
@@ -2636,43 +2637,7 @@
                 </a:solidFill>
                 <a:latin typeface="Comic Sans MS" panose="030F0902030302020204" pitchFamily="66" charset="0"/>
               </a:rPr>
-              <a:t>Saturday </a:t>
-            </a:r>
-            <a:r>
-              <a:rPr lang="en-GB" sz="2400" smtClean="0">
-                <a:solidFill>
-                  <a:schemeClr val="bg1"/>
-                </a:solidFill>
-                <a:latin typeface="Comic Sans MS" panose="030F0902030302020204" pitchFamily="66" charset="0"/>
-              </a:rPr>
-              <a:t>19th December 2020 all </a:t>
-            </a:r>
-            <a:r>
-              <a:rPr lang="en-GB" sz="2400" dirty="0" smtClean="0">
-                <a:solidFill>
-                  <a:schemeClr val="bg1"/>
-                </a:solidFill>
-                <a:latin typeface="Comic Sans MS" panose="030F0902030302020204" pitchFamily="66" charset="0"/>
-              </a:rPr>
-              <a:t>the entries will be </a:t>
-            </a:r>
-            <a:r>
-              <a:rPr lang="en-GB" sz="2400" smtClean="0">
-                <a:solidFill>
-                  <a:schemeClr val="bg1"/>
-                </a:solidFill>
-                <a:latin typeface="Comic Sans MS" panose="030F0902030302020204" pitchFamily="66" charset="0"/>
-              </a:rPr>
-              <a:t>shown </a:t>
-            </a:r>
-            <a:r>
-              <a:rPr lang="en-GB" sz="2400" smtClean="0">
-                <a:solidFill>
-                  <a:schemeClr val="bg1"/>
-                </a:solidFill>
-                <a:latin typeface="Comic Sans MS" panose="030F0902030302020204" pitchFamily="66" charset="0"/>
-              </a:rPr>
-              <a:t>to everyone, using Microsoft Teams Share Screen. </a:t>
+              <a:t>shown to everyone, using Microsoft Teams Share Screen. </a:t>
             </a:r>
             <a:r>
               <a:rPr lang="en-GB" sz="2400" dirty="0" smtClean="0">

--- a/Christmas_Scratch_Challenge_2020/Christmas_Challenge_2020.pptx
+++ b/Christmas_Scratch_Challenge_2020/Christmas_Challenge_2020.pptx
@@ -3667,8 +3667,8 @@
         </p:nvSpPr>
         <p:spPr>
           <a:xfrm>
-            <a:off x="179513" y="4027130"/>
-            <a:ext cx="3384376" cy="1384995"/>
+            <a:off x="179512" y="4027130"/>
+            <a:ext cx="3528391" cy="1107996"/>
           </a:xfrm>
           <a:prstGeom prst="rect">
             <a:avLst/>

--- a/Christmas_Scratch_Challenge_2020/Christmas_Challenge_2020.pptx
+++ b/Christmas_Scratch_Challenge_2020/Christmas_Challenge_2020.pptx
@@ -1522,7 +1522,135 @@
                 </a:effectLst>
                 <a:latin typeface="Comic Sans MS" panose="030F0902030302020204" pitchFamily="66" charset="0"/>
               </a:rPr>
-              <a:t>This year’s challenge will be for new members to the Code Club, and not open to those who took part in the challenge last year. We hope anyone who did the Scratch challenge last year will have a go at the Python challenge this year!</a:t>
+              <a:t>This year’s challenge will be for </a:t>
+            </a:r>
+            <a:r>
+              <a:rPr lang="en-GB" sz="2400">
+                <a:solidFill>
+                  <a:schemeClr val="bg1"/>
+                </a:solidFill>
+                <a:effectLst>
+                  <a:outerShdw blurRad="38100" dist="38100" dir="2700000" algn="tl">
+                    <a:srgbClr val="000000">
+                      <a:alpha val="43137"/>
+                    </a:srgbClr>
+                  </a:outerShdw>
+                </a:effectLst>
+                <a:latin typeface="Comic Sans MS" panose="030F0902030302020204" pitchFamily="66" charset="0"/>
+              </a:rPr>
+              <a:t>Code </a:t>
+            </a:r>
+            <a:r>
+              <a:rPr lang="en-GB" sz="2400" smtClean="0">
+                <a:solidFill>
+                  <a:schemeClr val="bg1"/>
+                </a:solidFill>
+                <a:effectLst>
+                  <a:outerShdw blurRad="38100" dist="38100" dir="2700000" algn="tl">
+                    <a:srgbClr val="000000">
+                      <a:alpha val="43137"/>
+                    </a:srgbClr>
+                  </a:outerShdw>
+                </a:effectLst>
+                <a:latin typeface="Comic Sans MS" panose="030F0902030302020204" pitchFamily="66" charset="0"/>
+              </a:rPr>
+              <a:t>Club members </a:t>
+            </a:r>
+            <a:r>
+              <a:rPr lang="en-GB" sz="2400" smtClean="0">
+                <a:solidFill>
+                  <a:schemeClr val="bg1"/>
+                </a:solidFill>
+                <a:effectLst>
+                  <a:outerShdw blurRad="38100" dist="38100" dir="2700000" algn="tl">
+                    <a:srgbClr val="000000">
+                      <a:alpha val="43137"/>
+                    </a:srgbClr>
+                  </a:outerShdw>
+                </a:effectLst>
+                <a:latin typeface="Comic Sans MS" panose="030F0902030302020204" pitchFamily="66" charset="0"/>
+              </a:rPr>
+              <a:t>doing our Scratch sessions, </a:t>
+            </a:r>
+            <a:r>
+              <a:rPr lang="en-GB" sz="2400" smtClean="0">
+                <a:solidFill>
+                  <a:schemeClr val="bg1"/>
+                </a:solidFill>
+                <a:effectLst>
+                  <a:outerShdw blurRad="38100" dist="38100" dir="2700000" algn="tl">
+                    <a:srgbClr val="000000">
+                      <a:alpha val="43137"/>
+                    </a:srgbClr>
+                  </a:outerShdw>
+                </a:effectLst>
+                <a:latin typeface="Comic Sans MS" panose="030F0902030302020204" pitchFamily="66" charset="0"/>
+              </a:rPr>
+              <a:t>and not open to those who </a:t>
+            </a:r>
+            <a:r>
+              <a:rPr lang="en-GB" sz="2400" smtClean="0">
+                <a:solidFill>
+                  <a:schemeClr val="bg1"/>
+                </a:solidFill>
+                <a:effectLst>
+                  <a:outerShdw blurRad="38100" dist="38100" dir="2700000" algn="tl">
+                    <a:srgbClr val="000000">
+                      <a:alpha val="43137"/>
+                    </a:srgbClr>
+                  </a:outerShdw>
+                </a:effectLst>
+                <a:latin typeface="Comic Sans MS" panose="030F0902030302020204" pitchFamily="66" charset="0"/>
+              </a:rPr>
+              <a:t>have now moved on to learning Python. </a:t>
+            </a:r>
+            <a:r>
+              <a:rPr lang="en-GB" sz="2400" smtClean="0">
+                <a:solidFill>
+                  <a:schemeClr val="bg1"/>
+                </a:solidFill>
+                <a:effectLst>
+                  <a:outerShdw blurRad="38100" dist="38100" dir="2700000" algn="tl">
+                    <a:srgbClr val="000000">
+                      <a:alpha val="43137"/>
+                    </a:srgbClr>
+                  </a:outerShdw>
+                </a:effectLst>
+                <a:latin typeface="Comic Sans MS" panose="030F0902030302020204" pitchFamily="66" charset="0"/>
+              </a:rPr>
+              <a:t>We hope anyone who </a:t>
+            </a:r>
+            <a:r>
+              <a:rPr lang="en-GB" sz="2400" smtClean="0">
+                <a:solidFill>
+                  <a:schemeClr val="bg1"/>
+                </a:solidFill>
+                <a:effectLst>
+                  <a:outerShdw blurRad="38100" dist="38100" dir="2700000" algn="tl">
+                    <a:srgbClr val="000000">
+                      <a:alpha val="43137"/>
+                    </a:srgbClr>
+                  </a:outerShdw>
+                </a:effectLst>
+                <a:latin typeface="Comic Sans MS" panose="030F0902030302020204" pitchFamily="66" charset="0"/>
+              </a:rPr>
+              <a:t>is now learning Python will </a:t>
+            </a:r>
+            <a:r>
+              <a:rPr lang="en-GB" sz="2400" smtClean="0">
+                <a:solidFill>
+                  <a:schemeClr val="bg1"/>
+                </a:solidFill>
+                <a:effectLst>
+                  <a:outerShdw blurRad="38100" dist="38100" dir="2700000" algn="tl">
+                    <a:srgbClr val="000000">
+                      <a:alpha val="43137"/>
+                    </a:srgbClr>
+                  </a:outerShdw>
+                </a:effectLst>
+                <a:latin typeface="Comic Sans MS" panose="030F0902030302020204" pitchFamily="66" charset="0"/>
+              </a:rPr>
+              <a:t>have a go at the Python challenge this year!</a:t>
             </a:r>
             <a:endParaRPr lang="en-GB" sz="2400" dirty="0" smtClean="0">
               <a:solidFill>
